--- a/Introduction to R Programming and Data Analysis.pptx
+++ b/Introduction to R Programming and Data Analysis.pptx
@@ -239,7 +239,7 @@
           <a:p>
             <a:fld id="{057EC3D3-3D58-4CF6-A69F-ACB671AF9480}" type="datetimeFigureOut">
               <a:rPr lang="en-US" smtClean="0"/>
-              <a:t>10/23/2018</a:t>
+              <a:t>10/29/2018</a:t>
             </a:fld>
             <a:endParaRPr lang="en-US"/>
           </a:p>
@@ -732,7 +732,7 @@
           <a:p>
             <a:fld id="{8F1A597A-FF44-4D00-AEF4-2F4B3488C426}" type="datetime1">
               <a:rPr lang="en-US" smtClean="0"/>
-              <a:t>10/23/2018</a:t>
+              <a:t>10/29/2018</a:t>
             </a:fld>
             <a:endParaRPr lang="en-US"/>
           </a:p>
@@ -943,7 +943,7 @@
           <a:p>
             <a:fld id="{4291EA9D-753C-498D-B89B-DE7AEF45C35E}" type="datetime1">
               <a:rPr lang="en-US" smtClean="0"/>
-              <a:t>10/23/2018</a:t>
+              <a:t>10/29/2018</a:t>
             </a:fld>
             <a:endParaRPr lang="en-US"/>
           </a:p>
@@ -1202,7 +1202,7 @@
           <a:p>
             <a:fld id="{02D7FC82-0588-4CDB-AC15-7EBF49FA19A8}" type="datetime1">
               <a:rPr lang="en-US" smtClean="0"/>
-              <a:t>10/23/2018</a:t>
+              <a:t>10/29/2018</a:t>
             </a:fld>
             <a:endParaRPr lang="en-US"/>
           </a:p>
@@ -1379,7 +1379,7 @@
           <a:p>
             <a:fld id="{66071F4A-FAB7-47AA-98F0-5BC55D30D99B}" type="datetime1">
               <a:rPr lang="en-US" smtClean="0"/>
-              <a:t>10/23/2018</a:t>
+              <a:t>10/29/2018</a:t>
             </a:fld>
             <a:endParaRPr lang="en-US"/>
           </a:p>
@@ -1725,7 +1725,7 @@
           <a:p>
             <a:fld id="{6C1AD545-DC41-4584-A407-6B29F79E1E00}" type="datetime1">
               <a:rPr lang="en-US" smtClean="0"/>
-              <a:t>10/23/2018</a:t>
+              <a:t>10/29/2018</a:t>
             </a:fld>
             <a:endParaRPr lang="en-US"/>
           </a:p>
@@ -2003,7 +2003,7 @@
           <a:p>
             <a:fld id="{5553E1FB-9AD0-4B34-9AE8-F98BFAF2774E}" type="datetime1">
               <a:rPr lang="en-US" smtClean="0"/>
-              <a:t>10/23/2018</a:t>
+              <a:t>10/29/2018</a:t>
             </a:fld>
             <a:endParaRPr lang="en-US"/>
           </a:p>
@@ -2385,7 +2385,7 @@
           <a:p>
             <a:fld id="{24C40E70-8A5B-4D52-A00F-563E647EE199}" type="datetime1">
               <a:rPr lang="en-US" smtClean="0"/>
-              <a:t>10/23/2018</a:t>
+              <a:t>10/29/2018</a:t>
             </a:fld>
             <a:endParaRPr lang="en-US"/>
           </a:p>
@@ -2506,7 +2506,7 @@
           <a:p>
             <a:fld id="{0810F0F1-096C-4758-8499-DEACA0C8851D}" type="datetime1">
               <a:rPr lang="en-US" smtClean="0"/>
-              <a:t>10/23/2018</a:t>
+              <a:t>10/29/2018</a:t>
             </a:fld>
             <a:endParaRPr lang="en-US"/>
           </a:p>
@@ -2680,7 +2680,7 @@
           <a:p>
             <a:fld id="{970B164A-13ED-4584-BC30-5996208BBEC2}" type="datetime1">
               <a:rPr lang="en-US" smtClean="0"/>
-              <a:t>10/23/2018</a:t>
+              <a:t>10/29/2018</a:t>
             </a:fld>
             <a:endParaRPr lang="en-US"/>
           </a:p>
@@ -3037,7 +3037,7 @@
           <a:p>
             <a:fld id="{A362FBD5-6E55-4DF4-B945-D9E2BBC91875}" type="datetime1">
               <a:rPr lang="en-US" smtClean="0"/>
-              <a:t>10/23/2018</a:t>
+              <a:t>10/29/2018</a:t>
             </a:fld>
             <a:endParaRPr lang="en-US"/>
           </a:p>
@@ -3422,7 +3422,7 @@
           <a:p>
             <a:fld id="{3E61EE17-6C23-4256-A5C2-26C034702BF0}" type="datetime1">
               <a:rPr lang="en-US" smtClean="0"/>
-              <a:t>10/23/2018</a:t>
+              <a:t>10/29/2018</a:t>
             </a:fld>
             <a:endParaRPr lang="en-US"/>
           </a:p>
@@ -3712,7 +3712,7 @@
           <a:p>
             <a:fld id="{395674EE-1533-4CC1-A18D-37384544DDBE}" type="datetime1">
               <a:rPr lang="en-US" smtClean="0"/>
-              <a:t>10/23/2018</a:t>
+              <a:t>10/29/2018</a:t>
             </a:fld>
             <a:endParaRPr lang="en-US"/>
           </a:p>
@@ -11118,16 +11118,22 @@
             <a:pPr marL="0" indent="0" algn="ctr">
               <a:buNone/>
             </a:pPr>
-            <a:r>
-              <a:rPr lang="en-US" sz="4800" dirty="0"/>
+            <a:endParaRPr lang="en-US" sz="4800" dirty="0" smtClean="0"/>
+          </a:p>
+          <a:p>
+            <a:pPr marL="0" indent="0" algn="ctr">
+              <a:buNone/>
+            </a:pPr>
+            <a:r>
+              <a:rPr lang="en-US" sz="4800" dirty="0" smtClean="0"/>
               <a:t>Program</a:t>
             </a:r>
             <a:r>
-              <a:rPr lang="en-US" altLang="zh-CN" sz="4800" dirty="0"/>
+              <a:rPr lang="en-US" altLang="zh-CN" sz="4800" dirty="0" smtClean="0"/>
               <a:t>m</a:t>
             </a:r>
             <a:r>
-              <a:rPr lang="en-US" sz="4800" dirty="0"/>
+              <a:rPr lang="en-US" sz="4800" dirty="0" smtClean="0"/>
               <a:t>ing </a:t>
             </a:r>
             <a:r>
@@ -11170,6 +11176,204 @@
           </a:p>
         </p:txBody>
       </p:sp>
+      <p:cxnSp>
+        <p:nvCxnSpPr>
+          <p:cNvPr id="6" name="Straight Arrow Connector 5"/>
+          <p:cNvCxnSpPr/>
+          <p:nvPr/>
+        </p:nvCxnSpPr>
+        <p:spPr>
+          <a:xfrm>
+            <a:off x="2275378" y="4191051"/>
+            <a:ext cx="7702203" cy="55419"/>
+          </a:xfrm>
+          <a:prstGeom prst="straightConnector1">
+            <a:avLst/>
+          </a:prstGeom>
+          <a:ln w="34925">
+            <a:headEnd type="triangle"/>
+            <a:tailEnd type="triangle"/>
+          </a:ln>
+        </p:spPr>
+        <p:style>
+          <a:lnRef idx="1">
+            <a:schemeClr val="accent1"/>
+          </a:lnRef>
+          <a:fillRef idx="0">
+            <a:schemeClr val="accent1"/>
+          </a:fillRef>
+          <a:effectRef idx="0">
+            <a:schemeClr val="accent1"/>
+          </a:effectRef>
+          <a:fontRef idx="minor">
+            <a:schemeClr val="tx1"/>
+          </a:fontRef>
+        </p:style>
+      </p:cxnSp>
+      <p:pic>
+        <p:nvPicPr>
+          <p:cNvPr id="1026" name="Picture 2" descr="Image result for c++"/>
+          <p:cNvPicPr>
+            <a:picLocks noChangeAspect="1" noChangeArrowheads="1"/>
+          </p:cNvPicPr>
+          <p:nvPr/>
+        </p:nvPicPr>
+        <p:blipFill>
+          <a:blip r:embed="rId2" cstate="print">
+            <a:extLst>
+              <a:ext uri="{28A0092B-C50C-407E-A947-70E740481C1C}">
+                <a14:useLocalDpi xmlns:a14="http://schemas.microsoft.com/office/drawing/2010/main" val="0"/>
+              </a:ext>
+            </a:extLst>
+          </a:blip>
+          <a:srcRect/>
+          <a:stretch>
+            <a:fillRect/>
+          </a:stretch>
+        </p:blipFill>
+        <p:spPr bwMode="auto">
+          <a:xfrm>
+            <a:off x="2275378" y="2568427"/>
+            <a:ext cx="919791" cy="1033998"/>
+          </a:xfrm>
+          <a:prstGeom prst="rect">
+            <a:avLst/>
+          </a:prstGeom>
+          <a:noFill/>
+          <a:extLst>
+            <a:ext uri="{909E8E84-426E-40DD-AFC4-6F175D3DCCD1}">
+              <a14:hiddenFill xmlns:a14="http://schemas.microsoft.com/office/drawing/2010/main">
+                <a:solidFill>
+                  <a:srgbClr val="FFFFFF"/>
+                </a:solidFill>
+              </a14:hiddenFill>
+            </a:ext>
+          </a:extLst>
+        </p:spPr>
+      </p:pic>
+      <p:pic>
+        <p:nvPicPr>
+          <p:cNvPr id="1028" name="Picture 4" descr="Image result for spss"/>
+          <p:cNvPicPr>
+            <a:picLocks noChangeAspect="1" noChangeArrowheads="1"/>
+          </p:cNvPicPr>
+          <p:nvPr/>
+        </p:nvPicPr>
+        <p:blipFill>
+          <a:blip r:embed="rId3" cstate="print">
+            <a:extLst>
+              <a:ext uri="{28A0092B-C50C-407E-A947-70E740481C1C}">
+                <a14:useLocalDpi xmlns:a14="http://schemas.microsoft.com/office/drawing/2010/main" val="0"/>
+              </a:ext>
+            </a:extLst>
+          </a:blip>
+          <a:srcRect/>
+          <a:stretch>
+            <a:fillRect/>
+          </a:stretch>
+        </p:blipFill>
+        <p:spPr bwMode="auto">
+          <a:xfrm>
+            <a:off x="8950036" y="2572815"/>
+            <a:ext cx="1027545" cy="1027545"/>
+          </a:xfrm>
+          <a:prstGeom prst="rect">
+            <a:avLst/>
+          </a:prstGeom>
+          <a:noFill/>
+          <a:extLst>
+            <a:ext uri="{909E8E84-426E-40DD-AFC4-6F175D3DCCD1}">
+              <a14:hiddenFill xmlns:a14="http://schemas.microsoft.com/office/drawing/2010/main">
+                <a:solidFill>
+                  <a:srgbClr val="FFFFFF"/>
+                </a:solidFill>
+              </a14:hiddenFill>
+            </a:ext>
+          </a:extLst>
+        </p:spPr>
+      </p:pic>
+      <p:pic>
+        <p:nvPicPr>
+          <p:cNvPr id="1030" name="Picture 6" descr="Image result for python"/>
+          <p:cNvPicPr>
+            <a:picLocks noChangeAspect="1" noChangeArrowheads="1"/>
+          </p:cNvPicPr>
+          <p:nvPr/>
+        </p:nvPicPr>
+        <p:blipFill>
+          <a:blip r:embed="rId4">
+            <a:extLst>
+              <a:ext uri="{28A0092B-C50C-407E-A947-70E740481C1C}">
+                <a14:useLocalDpi xmlns:a14="http://schemas.microsoft.com/office/drawing/2010/main" val="0"/>
+              </a:ext>
+            </a:extLst>
+          </a:blip>
+          <a:srcRect/>
+          <a:stretch>
+            <a:fillRect/>
+          </a:stretch>
+        </p:blipFill>
+        <p:spPr bwMode="auto">
+          <a:xfrm>
+            <a:off x="4099502" y="2132926"/>
+            <a:ext cx="1905000" cy="1905000"/>
+          </a:xfrm>
+          <a:prstGeom prst="rect">
+            <a:avLst/>
+          </a:prstGeom>
+          <a:noFill/>
+          <a:extLst>
+            <a:ext uri="{909E8E84-426E-40DD-AFC4-6F175D3DCCD1}">
+              <a14:hiddenFill xmlns:a14="http://schemas.microsoft.com/office/drawing/2010/main">
+                <a:solidFill>
+                  <a:srgbClr val="FFFFFF"/>
+                </a:solidFill>
+              </a14:hiddenFill>
+            </a:ext>
+          </a:extLst>
+        </p:spPr>
+      </p:pic>
+      <p:pic>
+        <p:nvPicPr>
+          <p:cNvPr id="1034" name="Picture 10" descr="Image result for r"/>
+          <p:cNvPicPr>
+            <a:picLocks noChangeAspect="1" noChangeArrowheads="1"/>
+          </p:cNvPicPr>
+          <p:nvPr/>
+        </p:nvPicPr>
+        <p:blipFill>
+          <a:blip r:embed="rId5" cstate="print">
+            <a:extLst>
+              <a:ext uri="{28A0092B-C50C-407E-A947-70E740481C1C}">
+                <a14:useLocalDpi xmlns:a14="http://schemas.microsoft.com/office/drawing/2010/main" val="0"/>
+              </a:ext>
+            </a:extLst>
+          </a:blip>
+          <a:srcRect/>
+          <a:stretch>
+            <a:fillRect/>
+          </a:stretch>
+        </p:blipFill>
+        <p:spPr bwMode="auto">
+          <a:xfrm>
+            <a:off x="6240761" y="2413699"/>
+            <a:ext cx="1531176" cy="1186661"/>
+          </a:xfrm>
+          <a:prstGeom prst="rect">
+            <a:avLst/>
+          </a:prstGeom>
+          <a:noFill/>
+          <a:extLst>
+            <a:ext uri="{909E8E84-426E-40DD-AFC4-6F175D3DCCD1}">
+              <a14:hiddenFill xmlns:a14="http://schemas.microsoft.com/office/drawing/2010/main">
+                <a:solidFill>
+                  <a:srgbClr val="FFFFFF"/>
+                </a:solidFill>
+              </a14:hiddenFill>
+            </a:ext>
+          </a:extLst>
+        </p:spPr>
+      </p:pic>
     </p:spTree>
     <p:extLst>
       <p:ext uri="{BB962C8B-B14F-4D97-AF65-F5344CB8AC3E}">
@@ -14101,7 +14305,9 @@
               <a:buAutoNum type="arabicPeriod"/>
             </a:pPr>
             <a:r>
-              <a:rPr lang="en-US" dirty="0" smtClean="0"/>
+              <a:rPr lang="en-US" dirty="0" smtClean="0">
+                <a:hlinkClick r:id="rId2"/>
+              </a:rPr>
               <a:t>Hands-On</a:t>
             </a:r>
             <a:endParaRPr lang="en-US" dirty="0"/>
@@ -14223,293 +14429,6 @@
           </a:bodyPr>
           <a:lstStyle/>
           <a:p>
-            <a:pPr marL="514350" indent="-457200">
-              <a:lnSpc>
-                <a:spcPct val="120000"/>
-              </a:lnSpc>
-              <a:spcBef>
-                <a:spcPts val="0"/>
-              </a:spcBef>
-              <a:spcAft>
-                <a:spcPts val="600"/>
-              </a:spcAft>
-              <a:defRPr/>
-            </a:pPr>
-            <a:r>
-              <a:rPr lang="en-US" altLang="zh-CN" dirty="0" smtClean="0">
-                <a:cs typeface="Arial" pitchFamily="34" charset="0"/>
-              </a:rPr>
-              <a:t>With aggregation</a:t>
-            </a:r>
-          </a:p>
-          <a:p>
-            <a:pPr marL="57150" indent="0">
-              <a:lnSpc>
-                <a:spcPct val="120000"/>
-              </a:lnSpc>
-              <a:spcBef>
-                <a:spcPts val="0"/>
-              </a:spcBef>
-              <a:spcAft>
-                <a:spcPts val="600"/>
-              </a:spcAft>
-              <a:buNone/>
-              <a:defRPr/>
-            </a:pPr>
-            <a:r>
-              <a:rPr lang="en-US" altLang="zh-CN" sz="1600" i="1" dirty="0">
-                <a:solidFill>
-                  <a:srgbClr val="FF0000"/>
-                </a:solidFill>
-              </a:rPr>
-              <a:t>	load("</a:t>
-            </a:r>
-            <a:r>
-              <a:rPr lang="en-US" altLang="zh-CN" sz="1600" i="1" dirty="0" err="1">
-                <a:solidFill>
-                  <a:srgbClr val="FF0000"/>
-                </a:solidFill>
-              </a:rPr>
-              <a:t>netD.Rdata</a:t>
-            </a:r>
-            <a:r>
-              <a:rPr lang="en-US" altLang="zh-CN" sz="1600" i="1" dirty="0">
-                <a:solidFill>
-                  <a:srgbClr val="FF0000"/>
-                </a:solidFill>
-              </a:rPr>
-              <a:t>")</a:t>
-            </a:r>
-          </a:p>
-          <a:p>
-            <a:pPr marL="57150" indent="0">
-              <a:lnSpc>
-                <a:spcPct val="120000"/>
-              </a:lnSpc>
-              <a:spcBef>
-                <a:spcPts val="0"/>
-              </a:spcBef>
-              <a:spcAft>
-                <a:spcPts val="600"/>
-              </a:spcAft>
-              <a:buNone/>
-              <a:defRPr/>
-            </a:pPr>
-            <a:r>
-              <a:rPr lang="en-US" altLang="zh-CN" sz="1600" i="1" dirty="0">
-                <a:solidFill>
-                  <a:srgbClr val="FF0000"/>
-                </a:solidFill>
-              </a:rPr>
-              <a:t>	library("reshape")</a:t>
-            </a:r>
-          </a:p>
-          <a:p>
-            <a:pPr marL="57150" indent="0">
-              <a:lnSpc>
-                <a:spcPct val="120000"/>
-              </a:lnSpc>
-              <a:spcBef>
-                <a:spcPts val="0"/>
-              </a:spcBef>
-              <a:spcAft>
-                <a:spcPts val="600"/>
-              </a:spcAft>
-              <a:buNone/>
-              <a:defRPr/>
-            </a:pPr>
-            <a:r>
-              <a:rPr lang="en-US" altLang="zh-CN" sz="1600" i="1" dirty="0">
-                <a:solidFill>
-                  <a:srgbClr val="FF0000"/>
-                </a:solidFill>
-              </a:rPr>
-              <a:t>	</a:t>
-            </a:r>
-            <a:r>
-              <a:rPr lang="en-US" altLang="zh-CN" sz="1600" i="1" dirty="0" err="1">
-                <a:solidFill>
-                  <a:srgbClr val="FF0000"/>
-                </a:solidFill>
-              </a:rPr>
-              <a:t>netD$freq</a:t>
-            </a:r>
-            <a:r>
-              <a:rPr lang="en-US" altLang="zh-CN" sz="1600" i="1" dirty="0">
-                <a:solidFill>
-                  <a:srgbClr val="FF0000"/>
-                </a:solidFill>
-              </a:rPr>
-              <a:t>&lt;-1</a:t>
-            </a:r>
-          </a:p>
-          <a:p>
-            <a:pPr marL="57150" indent="0">
-              <a:lnSpc>
-                <a:spcPct val="120000"/>
-              </a:lnSpc>
-              <a:spcBef>
-                <a:spcPts val="0"/>
-              </a:spcBef>
-              <a:spcAft>
-                <a:spcPts val="600"/>
-              </a:spcAft>
-              <a:buNone/>
-              <a:defRPr/>
-            </a:pPr>
-            <a:r>
-              <a:rPr lang="en-US" altLang="zh-CN" sz="1600" i="1" dirty="0">
-                <a:solidFill>
-                  <a:srgbClr val="FF0000"/>
-                </a:solidFill>
-              </a:rPr>
-              <a:t>	</a:t>
-            </a:r>
-            <a:r>
-              <a:rPr lang="en-US" altLang="zh-CN" sz="1600" i="1" dirty="0" err="1">
-                <a:solidFill>
-                  <a:srgbClr val="FF0000"/>
-                </a:solidFill>
-              </a:rPr>
-              <a:t>withagg</a:t>
-            </a:r>
-            <a:r>
-              <a:rPr lang="en-US" altLang="zh-CN" sz="1600" i="1" dirty="0">
-                <a:solidFill>
-                  <a:srgbClr val="FF0000"/>
-                </a:solidFill>
-              </a:rPr>
-              <a:t>&lt;-cast(</a:t>
-            </a:r>
-            <a:r>
-              <a:rPr lang="en-US" altLang="zh-CN" sz="1600" i="1" dirty="0" err="1">
-                <a:solidFill>
-                  <a:srgbClr val="FF0000"/>
-                </a:solidFill>
-              </a:rPr>
-              <a:t>netD,sender~receiver,sum</a:t>
-            </a:r>
-            <a:r>
-              <a:rPr lang="en-US" altLang="zh-CN" sz="1600" i="1" dirty="0">
-                <a:solidFill>
-                  <a:srgbClr val="FF0000"/>
-                </a:solidFill>
-              </a:rPr>
-              <a:t>)</a:t>
-            </a:r>
-          </a:p>
-          <a:p>
-            <a:pPr marL="514350" indent="-457200">
-              <a:lnSpc>
-                <a:spcPct val="120000"/>
-              </a:lnSpc>
-              <a:spcBef>
-                <a:spcPts val="0"/>
-              </a:spcBef>
-              <a:spcAft>
-                <a:spcPts val="600"/>
-              </a:spcAft>
-              <a:defRPr/>
-            </a:pPr>
-            <a:endParaRPr lang="en-US" altLang="zh-CN" dirty="0" smtClean="0">
-              <a:cs typeface="Arial" pitchFamily="34" charset="0"/>
-            </a:endParaRPr>
-          </a:p>
-          <a:p>
-            <a:pPr marL="514350" indent="-457200">
-              <a:lnSpc>
-                <a:spcPct val="120000"/>
-              </a:lnSpc>
-              <a:spcBef>
-                <a:spcPts val="0"/>
-              </a:spcBef>
-              <a:spcAft>
-                <a:spcPts val="600"/>
-              </a:spcAft>
-              <a:defRPr/>
-            </a:pPr>
-            <a:r>
-              <a:rPr lang="en-US" altLang="zh-CN" dirty="0" smtClean="0">
-                <a:cs typeface="Arial" pitchFamily="34" charset="0"/>
-              </a:rPr>
-              <a:t>Reverse aggregation</a:t>
-            </a:r>
-            <a:endParaRPr lang="en-US" altLang="zh-CN" dirty="0">
-              <a:cs typeface="Arial" pitchFamily="34" charset="0"/>
-            </a:endParaRPr>
-          </a:p>
-          <a:p>
-            <a:pPr marL="57150" indent="0">
-              <a:lnSpc>
-                <a:spcPct val="120000"/>
-              </a:lnSpc>
-              <a:spcBef>
-                <a:spcPts val="0"/>
-              </a:spcBef>
-              <a:spcAft>
-                <a:spcPts val="600"/>
-              </a:spcAft>
-              <a:buNone/>
-              <a:defRPr/>
-            </a:pPr>
-            <a:r>
-              <a:rPr lang="en-US" altLang="zh-CN" sz="1600" i="1" dirty="0">
-                <a:solidFill>
-                  <a:srgbClr val="FF0000"/>
-                </a:solidFill>
-              </a:rPr>
-              <a:t>	</a:t>
-            </a:r>
-            <a:r>
-              <a:rPr lang="en-US" altLang="zh-CN" sz="1600" i="1" dirty="0" err="1">
-                <a:solidFill>
-                  <a:srgbClr val="FF0000"/>
-                </a:solidFill>
-              </a:rPr>
-              <a:t>nda</a:t>
-            </a:r>
-            <a:r>
-              <a:rPr lang="en-US" altLang="zh-CN" sz="1600" i="1" dirty="0">
-                <a:solidFill>
-                  <a:srgbClr val="FF0000"/>
-                </a:solidFill>
-              </a:rPr>
-              <a:t>&lt;-melt(</a:t>
-            </a:r>
-            <a:r>
-              <a:rPr lang="en-US" altLang="zh-CN" sz="1600" i="1" dirty="0" err="1">
-                <a:solidFill>
-                  <a:srgbClr val="FF0000"/>
-                </a:solidFill>
-              </a:rPr>
-              <a:t>withoutagg,id</a:t>
-            </a:r>
-            <a:r>
-              <a:rPr lang="en-US" altLang="zh-CN" sz="1600" i="1" dirty="0">
-                <a:solidFill>
-                  <a:srgbClr val="FF0000"/>
-                </a:solidFill>
-              </a:rPr>
-              <a:t>=c("</a:t>
-            </a:r>
-            <a:r>
-              <a:rPr lang="en-US" altLang="zh-CN" sz="1600" i="1" dirty="0" err="1">
-                <a:solidFill>
-                  <a:srgbClr val="FF0000"/>
-                </a:solidFill>
-              </a:rPr>
-              <a:t>sender","receiver</a:t>
-            </a:r>
-            <a:r>
-              <a:rPr lang="en-US" altLang="zh-CN" sz="1600" i="1" dirty="0">
-                <a:solidFill>
-                  <a:srgbClr val="FF0000"/>
-                </a:solidFill>
-              </a:rPr>
-              <a:t>"))</a:t>
-            </a:r>
-          </a:p>
-          <a:p>
             <a:pPr indent="-285750">
               <a:lnSpc>
                 <a:spcPct val="120000"/>
@@ -14522,6 +14441,269 @@
               </a:spcAft>
               <a:defRPr/>
             </a:pPr>
+            <a:r>
+              <a:rPr lang="en-US" altLang="zh-CN" sz="1600" i="1" dirty="0">
+                <a:solidFill>
+                  <a:srgbClr val="FF0000"/>
+                </a:solidFill>
+              </a:rPr>
+              <a:t>library(reshape)</a:t>
+            </a:r>
+          </a:p>
+          <a:p>
+            <a:pPr indent="-285750">
+              <a:lnSpc>
+                <a:spcPct val="120000"/>
+              </a:lnSpc>
+              <a:spcBef>
+                <a:spcPts val="0"/>
+              </a:spcBef>
+              <a:spcAft>
+                <a:spcPts val="600"/>
+              </a:spcAft>
+              <a:defRPr/>
+            </a:pPr>
+            <a:r>
+              <a:rPr lang="en-US" altLang="zh-CN" sz="1600" i="1" dirty="0">
+                <a:solidFill>
+                  <a:srgbClr val="FF0000"/>
+                </a:solidFill>
+              </a:rPr>
+              <a:t>library(datasets)</a:t>
+            </a:r>
+          </a:p>
+          <a:p>
+            <a:pPr indent="-285750">
+              <a:lnSpc>
+                <a:spcPct val="120000"/>
+              </a:lnSpc>
+              <a:spcBef>
+                <a:spcPts val="0"/>
+              </a:spcBef>
+              <a:spcAft>
+                <a:spcPts val="600"/>
+              </a:spcAft>
+              <a:defRPr/>
+            </a:pPr>
+            <a:r>
+              <a:rPr lang="en-US" altLang="zh-CN" sz="1600" i="1" dirty="0">
+                <a:solidFill>
+                  <a:srgbClr val="FF0000"/>
+                </a:solidFill>
+              </a:rPr>
+              <a:t>head(</a:t>
+            </a:r>
+            <a:r>
+              <a:rPr lang="en-US" altLang="zh-CN" sz="1600" i="1" dirty="0" err="1">
+                <a:solidFill>
+                  <a:srgbClr val="FF0000"/>
+                </a:solidFill>
+              </a:rPr>
+              <a:t>airquality</a:t>
+            </a:r>
+            <a:r>
+              <a:rPr lang="en-US" altLang="zh-CN" sz="1600" i="1" dirty="0">
+                <a:solidFill>
+                  <a:srgbClr val="FF0000"/>
+                </a:solidFill>
+              </a:rPr>
+              <a:t>)</a:t>
+            </a:r>
+          </a:p>
+          <a:p>
+            <a:pPr indent="-285750">
+              <a:lnSpc>
+                <a:spcPct val="120000"/>
+              </a:lnSpc>
+              <a:spcBef>
+                <a:spcPts val="0"/>
+              </a:spcBef>
+              <a:spcAft>
+                <a:spcPts val="600"/>
+              </a:spcAft>
+              <a:defRPr/>
+            </a:pPr>
+            <a:endParaRPr lang="en-US" altLang="zh-CN" sz="1600" i="1" dirty="0" smtClean="0">
+              <a:solidFill>
+                <a:srgbClr val="FF0000"/>
+              </a:solidFill>
+            </a:endParaRPr>
+          </a:p>
+          <a:p>
+            <a:pPr indent="-285750">
+              <a:lnSpc>
+                <a:spcPct val="120000"/>
+              </a:lnSpc>
+              <a:spcBef>
+                <a:spcPts val="0"/>
+              </a:spcBef>
+              <a:spcAft>
+                <a:spcPts val="600"/>
+              </a:spcAft>
+              <a:defRPr/>
+            </a:pPr>
+            <a:r>
+              <a:rPr lang="en-US" altLang="zh-CN" sz="1600" i="1" dirty="0">
+                <a:solidFill>
+                  <a:srgbClr val="FF0000"/>
+                </a:solidFill>
+              </a:rPr>
+              <a:t># </a:t>
+            </a:r>
+            <a:r>
+              <a:rPr lang="en-US" altLang="zh-CN" sz="1600" i="1" dirty="0" err="1">
+                <a:solidFill>
+                  <a:srgbClr val="FF0000"/>
+                </a:solidFill>
+              </a:rPr>
+              <a:t>vars</a:t>
+            </a:r>
+            <a:r>
+              <a:rPr lang="en-US" altLang="zh-CN" sz="1600" i="1" dirty="0">
+                <a:solidFill>
+                  <a:srgbClr val="FF0000"/>
+                </a:solidFill>
+              </a:rPr>
+              <a:t> to cases:</a:t>
+            </a:r>
+          </a:p>
+          <a:p>
+            <a:pPr indent="-285750">
+              <a:lnSpc>
+                <a:spcPct val="120000"/>
+              </a:lnSpc>
+              <a:spcBef>
+                <a:spcPts val="0"/>
+              </a:spcBef>
+              <a:spcAft>
+                <a:spcPts val="600"/>
+              </a:spcAft>
+              <a:defRPr/>
+            </a:pPr>
+            <a:r>
+              <a:rPr lang="en-US" altLang="zh-CN" sz="1600" i="1" dirty="0">
+                <a:solidFill>
+                  <a:srgbClr val="FF0000"/>
+                </a:solidFill>
+              </a:rPr>
+              <a:t>molten = melt(</a:t>
+            </a:r>
+            <a:r>
+              <a:rPr lang="en-US" altLang="zh-CN" sz="1600" i="1" dirty="0" err="1">
+                <a:solidFill>
+                  <a:srgbClr val="FF0000"/>
+                </a:solidFill>
+              </a:rPr>
+              <a:t>airquality,id</a:t>
+            </a:r>
+            <a:r>
+              <a:rPr lang="en-US" altLang="zh-CN" sz="1600" i="1" dirty="0">
+                <a:solidFill>
+                  <a:srgbClr val="FF0000"/>
+                </a:solidFill>
+              </a:rPr>
+              <a:t>=c("</a:t>
+            </a:r>
+            <a:r>
+              <a:rPr lang="en-US" altLang="zh-CN" sz="1600" i="1" dirty="0" err="1">
+                <a:solidFill>
+                  <a:srgbClr val="FF0000"/>
+                </a:solidFill>
+              </a:rPr>
+              <a:t>Month","Day</a:t>
+            </a:r>
+            <a:r>
+              <a:rPr lang="en-US" altLang="zh-CN" sz="1600" i="1" dirty="0">
+                <a:solidFill>
+                  <a:srgbClr val="FF0000"/>
+                </a:solidFill>
+              </a:rPr>
+              <a:t>"))</a:t>
+            </a:r>
+          </a:p>
+          <a:p>
+            <a:pPr indent="-285750">
+              <a:lnSpc>
+                <a:spcPct val="120000"/>
+              </a:lnSpc>
+              <a:spcBef>
+                <a:spcPts val="0"/>
+              </a:spcBef>
+              <a:spcAft>
+                <a:spcPts val="600"/>
+              </a:spcAft>
+              <a:defRPr/>
+            </a:pPr>
+            <a:r>
+              <a:rPr lang="en-US" altLang="zh-CN" sz="1600" i="1" dirty="0" smtClean="0">
+                <a:solidFill>
+                  <a:srgbClr val="FF0000"/>
+                </a:solidFill>
+              </a:rPr>
+              <a:t># </a:t>
+            </a:r>
+            <a:r>
+              <a:rPr lang="en-US" altLang="zh-CN" sz="1600" i="1" dirty="0">
+                <a:solidFill>
+                  <a:srgbClr val="FF0000"/>
+                </a:solidFill>
+              </a:rPr>
+              <a:t>cases to </a:t>
+            </a:r>
+            <a:r>
+              <a:rPr lang="en-US" altLang="zh-CN" sz="1600" i="1" dirty="0" err="1">
+                <a:solidFill>
+                  <a:srgbClr val="FF0000"/>
+                </a:solidFill>
+              </a:rPr>
+              <a:t>vars</a:t>
+            </a:r>
+            <a:r>
+              <a:rPr lang="en-US" altLang="zh-CN" sz="1600" i="1" dirty="0">
+                <a:solidFill>
+                  <a:srgbClr val="FF0000"/>
+                </a:solidFill>
+              </a:rPr>
+              <a:t>:</a:t>
+            </a:r>
+          </a:p>
+          <a:p>
+            <a:pPr indent="-285750">
+              <a:lnSpc>
+                <a:spcPct val="120000"/>
+              </a:lnSpc>
+              <a:spcBef>
+                <a:spcPts val="0"/>
+              </a:spcBef>
+              <a:spcAft>
+                <a:spcPts val="600"/>
+              </a:spcAft>
+              <a:defRPr/>
+            </a:pPr>
+            <a:r>
+              <a:rPr lang="en-US" altLang="zh-CN" sz="1600" i="1" dirty="0">
+                <a:solidFill>
+                  <a:srgbClr val="FF0000"/>
+                </a:solidFill>
+              </a:rPr>
+              <a:t>data = cast(</a:t>
+            </a:r>
+            <a:r>
+              <a:rPr lang="en-US" altLang="zh-CN" sz="1600" i="1" dirty="0" err="1">
+                <a:solidFill>
+                  <a:srgbClr val="FF0000"/>
+                </a:solidFill>
+              </a:rPr>
+              <a:t>molten,Month+Day~variable</a:t>
+            </a:r>
+            <a:r>
+              <a:rPr lang="en-US" altLang="zh-CN" sz="1600" i="1" dirty="0">
+                <a:solidFill>
+                  <a:srgbClr val="FF0000"/>
+                </a:solidFill>
+              </a:rPr>
+              <a:t>)</a:t>
+            </a:r>
             <a:endParaRPr lang="en-US" altLang="zh-CN" sz="1600" i="1" dirty="0">
               <a:solidFill>
                 <a:srgbClr val="FF0000"/>
@@ -14530,6 +14712,54 @@
           </a:p>
         </p:txBody>
       </p:sp>
+      <p:pic>
+        <p:nvPicPr>
+          <p:cNvPr id="4" name="Picture 3"/>
+          <p:cNvPicPr>
+            <a:picLocks noChangeAspect="1"/>
+          </p:cNvPicPr>
+          <p:nvPr/>
+        </p:nvPicPr>
+        <p:blipFill>
+          <a:blip r:embed="rId2"/>
+          <a:stretch>
+            <a:fillRect/>
+          </a:stretch>
+        </p:blipFill>
+        <p:spPr>
+          <a:xfrm>
+            <a:off x="7390721" y="2043734"/>
+            <a:ext cx="2324301" cy="960203"/>
+          </a:xfrm>
+          <a:prstGeom prst="rect">
+            <a:avLst/>
+          </a:prstGeom>
+        </p:spPr>
+      </p:pic>
+      <p:pic>
+        <p:nvPicPr>
+          <p:cNvPr id="5" name="Picture 4"/>
+          <p:cNvPicPr>
+            <a:picLocks noChangeAspect="1"/>
+          </p:cNvPicPr>
+          <p:nvPr/>
+        </p:nvPicPr>
+        <p:blipFill>
+          <a:blip r:embed="rId3"/>
+          <a:stretch>
+            <a:fillRect/>
+          </a:stretch>
+        </p:blipFill>
+        <p:spPr>
+          <a:xfrm>
+            <a:off x="7390721" y="3402059"/>
+            <a:ext cx="1775614" cy="922100"/>
+          </a:xfrm>
+          <a:prstGeom prst="rect">
+            <a:avLst/>
+          </a:prstGeom>
+        </p:spPr>
+      </p:pic>
     </p:spTree>
     <p:extLst>
       <p:ext uri="{BB962C8B-B14F-4D97-AF65-F5344CB8AC3E}">
@@ -19225,15 +19455,16 @@
             <a:pPr lvl="1"/>
             <a:r>
               <a:rPr lang="en-US" sz="2400" dirty="0" smtClean="0"/>
+              <a:t>Data frame</a:t>
+            </a:r>
+          </a:p>
+          <a:p>
+            <a:pPr lvl="1"/>
+            <a:r>
+              <a:rPr lang="en-US" sz="2400" dirty="0" smtClean="0"/>
               <a:t>List</a:t>
             </a:r>
-          </a:p>
-          <a:p>
-            <a:pPr lvl="1"/>
-            <a:r>
-              <a:rPr lang="en-US" sz="2400" dirty="0" smtClean="0"/>
-              <a:t>Data frame</a:t>
-            </a:r>
+            <a:endParaRPr lang="en-US" sz="2400" dirty="0" smtClean="0"/>
           </a:p>
           <a:p>
             <a:pPr lvl="1"/>
@@ -20164,14 +20395,7 @@
                 <a:latin typeface="+mj-lt"/>
                 <a:ea typeface="微软雅黑" pitchFamily="34" charset="-122"/>
               </a:rPr>
-              <a:t>2. </a:t>
-            </a:r>
-            <a:r>
-              <a:rPr lang="en-US" altLang="zh-CN" dirty="0" smtClean="0">
-                <a:latin typeface="+mj-lt"/>
-                <a:ea typeface="微软雅黑" pitchFamily="34" charset="-122"/>
-              </a:rPr>
-              <a:t>Input/output</a:t>
+              <a:t>2. Input/output</a:t>
             </a:r>
             <a:endParaRPr lang="en-US" dirty="0" smtClean="0">
               <a:latin typeface="+mj-lt"/>
